--- a/diagram.pptx
+++ b/diagram.pptx
@@ -119,7 +119,7 @@
 <file path=ppt/revisionInfo.xml><?xml version="1.0" encoding="utf-8"?>
 <p1510:revInfo xmlns:a="http://schemas.openxmlformats.org/drawingml/2006/main" xmlns:r="http://schemas.openxmlformats.org/officeDocument/2006/relationships" xmlns:p1510="http://schemas.microsoft.com/office/powerpoint/2015/10/main">
   <p1510:revLst>
-    <p1510:client id="{8F415555-1585-41D2-8C79-E6B9DB94C63B}" v="119" dt="2025-09-09T14:56:33.573"/>
+    <p1510:client id="{8F415555-1585-41D2-8C79-E6B9DB94C63B}" v="169" dt="2025-09-16T20:45:25.818"/>
   </p1510:revLst>
 </p1510:revInfo>
 </file>
@@ -635,18 +635,18 @@
   <pc:docChgLst>
     <pc:chgData name="Salvade, Nicolas" userId="31bbe138-ccb1-4d83-8a18-e80c361a9f60" providerId="ADAL" clId="{DFC9994C-5AD5-41EB-9DE0-7454DCB4077A}"/>
     <pc:docChg chg="undo redo custSel addSld modSld sldOrd">
-      <pc:chgData name="Salvade, Nicolas" userId="31bbe138-ccb1-4d83-8a18-e80c361a9f60" providerId="ADAL" clId="{DFC9994C-5AD5-41EB-9DE0-7454DCB4077A}" dt="2025-09-09T14:56:35.762" v="99" actId="1076"/>
+      <pc:chgData name="Salvade, Nicolas" userId="31bbe138-ccb1-4d83-8a18-e80c361a9f60" providerId="ADAL" clId="{DFC9994C-5AD5-41EB-9DE0-7454DCB4077A}" dt="2025-09-16T20:45:27.123" v="210" actId="1076"/>
       <pc:docMkLst>
         <pc:docMk/>
       </pc:docMkLst>
       <pc:sldChg chg="addSp delSp modSp add mod ord">
-        <pc:chgData name="Salvade, Nicolas" userId="31bbe138-ccb1-4d83-8a18-e80c361a9f60" providerId="ADAL" clId="{DFC9994C-5AD5-41EB-9DE0-7454DCB4077A}" dt="2025-09-09T14:56:29.359" v="96" actId="164"/>
+        <pc:chgData name="Salvade, Nicolas" userId="31bbe138-ccb1-4d83-8a18-e80c361a9f60" providerId="ADAL" clId="{DFC9994C-5AD5-41EB-9DE0-7454DCB4077A}" dt="2025-09-16T20:44:07.771" v="201" actId="20577"/>
         <pc:sldMkLst>
           <pc:docMk/>
           <pc:sldMk cId="4122756858" sldId="263"/>
         </pc:sldMkLst>
         <pc:spChg chg="mod">
-          <ac:chgData name="Salvade, Nicolas" userId="31bbe138-ccb1-4d83-8a18-e80c361a9f60" providerId="ADAL" clId="{DFC9994C-5AD5-41EB-9DE0-7454DCB4077A}" dt="2025-09-09T14:51:58.088" v="36" actId="20577"/>
+          <ac:chgData name="Salvade, Nicolas" userId="31bbe138-ccb1-4d83-8a18-e80c361a9f60" providerId="ADAL" clId="{DFC9994C-5AD5-41EB-9DE0-7454DCB4077A}" dt="2025-09-16T20:43:47.068" v="185" actId="20577"/>
           <ac:spMkLst>
             <pc:docMk/>
             <pc:sldMk cId="4122756858" sldId="263"/>
@@ -654,7 +654,7 @@
           </ac:spMkLst>
         </pc:spChg>
         <pc:spChg chg="mod">
-          <ac:chgData name="Salvade, Nicolas" userId="31bbe138-ccb1-4d83-8a18-e80c361a9f60" providerId="ADAL" clId="{DFC9994C-5AD5-41EB-9DE0-7454DCB4077A}" dt="2025-09-09T14:51:21.666" v="25" actId="1076"/>
+          <ac:chgData name="Salvade, Nicolas" userId="31bbe138-ccb1-4d83-8a18-e80c361a9f60" providerId="ADAL" clId="{DFC9994C-5AD5-41EB-9DE0-7454DCB4077A}" dt="2025-09-16T20:43:01.750" v="165" actId="1076"/>
           <ac:spMkLst>
             <pc:docMk/>
             <pc:sldMk cId="4122756858" sldId="263"/>
@@ -662,7 +662,7 @@
           </ac:spMkLst>
         </pc:spChg>
         <pc:spChg chg="mod">
-          <ac:chgData name="Salvade, Nicolas" userId="31bbe138-ccb1-4d83-8a18-e80c361a9f60" providerId="ADAL" clId="{DFC9994C-5AD5-41EB-9DE0-7454DCB4077A}" dt="2025-09-09T14:50:29.567" v="13" actId="20577"/>
+          <ac:chgData name="Salvade, Nicolas" userId="31bbe138-ccb1-4d83-8a18-e80c361a9f60" providerId="ADAL" clId="{DFC9994C-5AD5-41EB-9DE0-7454DCB4077A}" dt="2025-09-16T20:43:58.807" v="195" actId="20577"/>
           <ac:spMkLst>
             <pc:docMk/>
             <pc:sldMk cId="4122756858" sldId="263"/>
@@ -718,7 +718,7 @@
           </ac:spMkLst>
         </pc:spChg>
         <pc:spChg chg="mod">
-          <ac:chgData name="Salvade, Nicolas" userId="31bbe138-ccb1-4d83-8a18-e80c361a9f60" providerId="ADAL" clId="{DFC9994C-5AD5-41EB-9DE0-7454DCB4077A}" dt="2025-09-09T14:55:57.377" v="88" actId="165"/>
+          <ac:chgData name="Salvade, Nicolas" userId="31bbe138-ccb1-4d83-8a18-e80c361a9f60" providerId="ADAL" clId="{DFC9994C-5AD5-41EB-9DE0-7454DCB4077A}" dt="2025-09-16T20:42:04.334" v="103" actId="20577"/>
           <ac:spMkLst>
             <pc:docMk/>
             <pc:sldMk cId="4122756858" sldId="263"/>
@@ -789,6 +789,14 @@
             <ac:spMk id="504" creationId="{A77E2F02-64A6-E694-2CB8-6F4A1865C0BA}"/>
           </ac:spMkLst>
         </pc:spChg>
+        <pc:spChg chg="mod">
+          <ac:chgData name="Salvade, Nicolas" userId="31bbe138-ccb1-4d83-8a18-e80c361a9f60" providerId="ADAL" clId="{DFC9994C-5AD5-41EB-9DE0-7454DCB4077A}" dt="2025-09-16T20:42:14.011" v="110" actId="20577"/>
+          <ac:spMkLst>
+            <pc:docMk/>
+            <pc:sldMk cId="4122756858" sldId="263"/>
+            <ac:spMk id="542" creationId="{B0B08709-9CEE-DF0F-232C-54EBAE208431}"/>
+          </ac:spMkLst>
+        </pc:spChg>
         <pc:spChg chg="add del mod">
           <ac:chgData name="Salvade, Nicolas" userId="31bbe138-ccb1-4d83-8a18-e80c361a9f60" providerId="ADAL" clId="{DFC9994C-5AD5-41EB-9DE0-7454DCB4077A}" dt="2025-09-09T14:51:39.499" v="31" actId="1076"/>
           <ac:spMkLst>
@@ -814,7 +822,7 @@
           </ac:spMkLst>
         </pc:spChg>
         <pc:spChg chg="mod">
-          <ac:chgData name="Salvade, Nicolas" userId="31bbe138-ccb1-4d83-8a18-e80c361a9f60" providerId="ADAL" clId="{DFC9994C-5AD5-41EB-9DE0-7454DCB4077A}" dt="2025-09-09T14:51:30.199" v="27" actId="1076"/>
+          <ac:chgData name="Salvade, Nicolas" userId="31bbe138-ccb1-4d83-8a18-e80c361a9f60" providerId="ADAL" clId="{DFC9994C-5AD5-41EB-9DE0-7454DCB4077A}" dt="2025-09-16T20:42:38.040" v="135" actId="20577"/>
           <ac:spMkLst>
             <pc:docMk/>
             <pc:sldMk cId="4122756858" sldId="263"/>
@@ -822,7 +830,7 @@
           </ac:spMkLst>
         </pc:spChg>
         <pc:spChg chg="mod">
-          <ac:chgData name="Salvade, Nicolas" userId="31bbe138-ccb1-4d83-8a18-e80c361a9f60" providerId="ADAL" clId="{DFC9994C-5AD5-41EB-9DE0-7454DCB4077A}" dt="2025-09-09T14:52:26.678" v="49" actId="20577"/>
+          <ac:chgData name="Salvade, Nicolas" userId="31bbe138-ccb1-4d83-8a18-e80c361a9f60" providerId="ADAL" clId="{DFC9994C-5AD5-41EB-9DE0-7454DCB4077A}" dt="2025-09-16T20:43:35.549" v="175" actId="20577"/>
           <ac:spMkLst>
             <pc:docMk/>
             <pc:sldMk cId="4122756858" sldId="263"/>
@@ -830,7 +838,7 @@
           </ac:spMkLst>
         </pc:spChg>
         <pc:spChg chg="mod">
-          <ac:chgData name="Salvade, Nicolas" userId="31bbe138-ccb1-4d83-8a18-e80c361a9f60" providerId="ADAL" clId="{DFC9994C-5AD5-41EB-9DE0-7454DCB4077A}" dt="2025-09-09T14:52:05.611" v="41" actId="20577"/>
+          <ac:chgData name="Salvade, Nicolas" userId="31bbe138-ccb1-4d83-8a18-e80c361a9f60" providerId="ADAL" clId="{DFC9994C-5AD5-41EB-9DE0-7454DCB4077A}" dt="2025-09-16T20:44:04.908" v="199" actId="20577"/>
           <ac:spMkLst>
             <pc:docMk/>
             <pc:sldMk cId="4122756858" sldId="263"/>
@@ -838,11 +846,19 @@
           </ac:spMkLst>
         </pc:spChg>
         <pc:spChg chg="mod">
-          <ac:chgData name="Salvade, Nicolas" userId="31bbe138-ccb1-4d83-8a18-e80c361a9f60" providerId="ADAL" clId="{DFC9994C-5AD5-41EB-9DE0-7454DCB4077A}" dt="2025-09-09T14:50:26.036" v="11" actId="21"/>
+          <ac:chgData name="Salvade, Nicolas" userId="31bbe138-ccb1-4d83-8a18-e80c361a9f60" providerId="ADAL" clId="{DFC9994C-5AD5-41EB-9DE0-7454DCB4077A}" dt="2025-09-16T20:43:38.882" v="177" actId="20577"/>
           <ac:spMkLst>
             <pc:docMk/>
             <pc:sldMk cId="4122756858" sldId="263"/>
             <ac:spMk id="577" creationId="{5F54B7E6-8839-AB28-12D8-FF0A822234F4}"/>
+          </ac:spMkLst>
+        </pc:spChg>
+        <pc:spChg chg="mod">
+          <ac:chgData name="Salvade, Nicolas" userId="31bbe138-ccb1-4d83-8a18-e80c361a9f60" providerId="ADAL" clId="{DFC9994C-5AD5-41EB-9DE0-7454DCB4077A}" dt="2025-09-16T20:44:07.771" v="201" actId="20577"/>
+          <ac:spMkLst>
+            <pc:docMk/>
+            <pc:sldMk cId="4122756858" sldId="263"/>
+            <ac:spMk id="578" creationId="{9DCB6742-A9EF-45C8-CA53-66954B68B16F}"/>
           </ac:spMkLst>
         </pc:spChg>
         <pc:grpChg chg="mod">
@@ -869,59 +885,59 @@
             <ac:grpSpMk id="563" creationId="{2F7966C9-CB38-E87A-9D1C-AB9D894B29B9}"/>
           </ac:grpSpMkLst>
         </pc:grpChg>
-        <pc:cxnChg chg="del">
-          <ac:chgData name="Salvade, Nicolas" userId="31bbe138-ccb1-4d83-8a18-e80c361a9f60" providerId="ADAL" clId="{DFC9994C-5AD5-41EB-9DE0-7454DCB4077A}" dt="2025-09-09T14:49:48.334" v="3" actId="478"/>
-          <ac:cxnSpMkLst>
-            <pc:docMk/>
-            <pc:sldMk cId="4122756858" sldId="263"/>
-            <ac:cxnSpMk id="581" creationId="{70E13445-FB34-EC89-B3E7-6AB5E96ACA6F}"/>
-          </ac:cxnSpMkLst>
-        </pc:cxnChg>
       </pc:sldChg>
       <pc:sldChg chg="addSp delSp modSp new mod">
-        <pc:chgData name="Salvade, Nicolas" userId="31bbe138-ccb1-4d83-8a18-e80c361a9f60" providerId="ADAL" clId="{DFC9994C-5AD5-41EB-9DE0-7454DCB4077A}" dt="2025-09-09T14:56:35.762" v="99" actId="1076"/>
+        <pc:chgData name="Salvade, Nicolas" userId="31bbe138-ccb1-4d83-8a18-e80c361a9f60" providerId="ADAL" clId="{DFC9994C-5AD5-41EB-9DE0-7454DCB4077A}" dt="2025-09-16T20:45:27.123" v="210" actId="1076"/>
         <pc:sldMkLst>
           <pc:docMk/>
           <pc:sldMk cId="2092178955" sldId="264"/>
         </pc:sldMkLst>
-        <pc:spChg chg="del">
-          <ac:chgData name="Salvade, Nicolas" userId="31bbe138-ccb1-4d83-8a18-e80c361a9f60" providerId="ADAL" clId="{DFC9994C-5AD5-41EB-9DE0-7454DCB4077A}" dt="2025-09-09T14:56:08.713" v="91" actId="478"/>
-          <ac:spMkLst>
+        <pc:picChg chg="add mod">
+          <ac:chgData name="Salvade, Nicolas" userId="31bbe138-ccb1-4d83-8a18-e80c361a9f60" providerId="ADAL" clId="{DFC9994C-5AD5-41EB-9DE0-7454DCB4077A}" dt="2025-09-16T20:44:20.456" v="204" actId="1076"/>
+          <ac:picMkLst>
             <pc:docMk/>
             <pc:sldMk cId="2092178955" sldId="264"/>
-            <ac:spMk id="2" creationId="{6124BF14-87DC-1A5D-B983-4755AD24866E}"/>
-          </ac:spMkLst>
-        </pc:spChg>
-        <pc:spChg chg="del">
-          <ac:chgData name="Salvade, Nicolas" userId="31bbe138-ccb1-4d83-8a18-e80c361a9f60" providerId="ADAL" clId="{DFC9994C-5AD5-41EB-9DE0-7454DCB4077A}" dt="2025-09-09T14:56:07.376" v="90" actId="478"/>
-          <ac:spMkLst>
+            <ac:picMk id="2" creationId="{F06DA8B2-3108-36D9-135B-D7806E1B2415}"/>
+          </ac:picMkLst>
+        </pc:picChg>
+        <pc:picChg chg="add mod">
+          <ac:chgData name="Salvade, Nicolas" userId="31bbe138-ccb1-4d83-8a18-e80c361a9f60" providerId="ADAL" clId="{DFC9994C-5AD5-41EB-9DE0-7454DCB4077A}" dt="2025-09-16T20:45:18.281" v="207" actId="1076"/>
+          <ac:picMkLst>
             <pc:docMk/>
             <pc:sldMk cId="2092178955" sldId="264"/>
-            <ac:spMk id="3" creationId="{C7F85F51-46E2-9B8C-0C15-D74787FA3460}"/>
-          </ac:spMkLst>
-        </pc:spChg>
-        <pc:picChg chg="add mod">
-          <ac:chgData name="Salvade, Nicolas" userId="31bbe138-ccb1-4d83-8a18-e80c361a9f60" providerId="ADAL" clId="{DFC9994C-5AD5-41EB-9DE0-7454DCB4077A}" dt="2025-09-09T14:56:11.865" v="93" actId="1076"/>
+            <ac:picMk id="3" creationId="{B61E8EA4-C5B8-DE6D-FDD2-92AF9D0AD33F}"/>
+          </ac:picMkLst>
+        </pc:picChg>
+        <pc:picChg chg="add del mod">
+          <ac:chgData name="Salvade, Nicolas" userId="31bbe138-ccb1-4d83-8a18-e80c361a9f60" providerId="ADAL" clId="{DFC9994C-5AD5-41EB-9DE0-7454DCB4077A}" dt="2025-09-16T20:45:14.554" v="205" actId="478"/>
           <ac:picMkLst>
             <pc:docMk/>
             <pc:sldMk cId="2092178955" sldId="264"/>
             <ac:picMk id="4" creationId="{588D65C0-1EC0-F094-129A-546FEF5CD5DD}"/>
           </ac:picMkLst>
         </pc:picChg>
-        <pc:picChg chg="add mod">
-          <ac:chgData name="Salvade, Nicolas" userId="31bbe138-ccb1-4d83-8a18-e80c361a9f60" providerId="ADAL" clId="{DFC9994C-5AD5-41EB-9DE0-7454DCB4077A}" dt="2025-09-09T14:56:19.595" v="95" actId="1076"/>
+        <pc:picChg chg="add del mod">
+          <ac:chgData name="Salvade, Nicolas" userId="31bbe138-ccb1-4d83-8a18-e80c361a9f60" providerId="ADAL" clId="{DFC9994C-5AD5-41EB-9DE0-7454DCB4077A}" dt="2025-09-16T20:45:19.323" v="208" actId="478"/>
           <ac:picMkLst>
             <pc:docMk/>
             <pc:sldMk cId="2092178955" sldId="264"/>
             <ac:picMk id="5" creationId="{DFF80C0C-2649-4344-FDC2-C15C6D6AB216}"/>
           </ac:picMkLst>
         </pc:picChg>
-        <pc:picChg chg="add mod">
-          <ac:chgData name="Salvade, Nicolas" userId="31bbe138-ccb1-4d83-8a18-e80c361a9f60" providerId="ADAL" clId="{DFC9994C-5AD5-41EB-9DE0-7454DCB4077A}" dt="2025-09-09T14:56:35.762" v="99" actId="1076"/>
+        <pc:picChg chg="add del mod">
+          <ac:chgData name="Salvade, Nicolas" userId="31bbe138-ccb1-4d83-8a18-e80c361a9f60" providerId="ADAL" clId="{DFC9994C-5AD5-41EB-9DE0-7454DCB4077A}" dt="2025-09-16T20:44:16.038" v="202" actId="478"/>
           <ac:picMkLst>
             <pc:docMk/>
             <pc:sldMk cId="2092178955" sldId="264"/>
             <ac:picMk id="6" creationId="{88DFB7CB-B0F5-5308-925E-B181F2EC6914}"/>
+          </ac:picMkLst>
+        </pc:picChg>
+        <pc:picChg chg="add mod">
+          <ac:chgData name="Salvade, Nicolas" userId="31bbe138-ccb1-4d83-8a18-e80c361a9f60" providerId="ADAL" clId="{DFC9994C-5AD5-41EB-9DE0-7454DCB4077A}" dt="2025-09-16T20:45:27.123" v="210" actId="1076"/>
+          <ac:picMkLst>
+            <pc:docMk/>
+            <pc:sldMk cId="2092178955" sldId="264"/>
+            <ac:picMk id="7" creationId="{BABD5415-7877-5D3C-48FE-35D84F7446AF}"/>
           </ac:picMkLst>
         </pc:picChg>
       </pc:sldChg>
@@ -1079,7 +1095,7 @@
           <a:p>
             <a:fld id="{D0E1B210-82C2-474D-A221-9E604C44A2BB}" type="datetimeFigureOut">
               <a:rPr lang="en-GB" smtClean="0"/>
-              <a:t>09/09/2025</a:t>
+              <a:t>16/09/2025</a:t>
             </a:fld>
             <a:endParaRPr lang="en-GB" dirty="0"/>
           </a:p>
@@ -1279,7 +1295,7 @@
           <a:p>
             <a:fld id="{D0E1B210-82C2-474D-A221-9E604C44A2BB}" type="datetimeFigureOut">
               <a:rPr lang="en-GB" smtClean="0"/>
-              <a:t>09/09/2025</a:t>
+              <a:t>16/09/2025</a:t>
             </a:fld>
             <a:endParaRPr lang="en-GB" dirty="0"/>
           </a:p>
@@ -1489,7 +1505,7 @@
           <a:p>
             <a:fld id="{D0E1B210-82C2-474D-A221-9E604C44A2BB}" type="datetimeFigureOut">
               <a:rPr lang="en-GB" smtClean="0"/>
-              <a:t>09/09/2025</a:t>
+              <a:t>16/09/2025</a:t>
             </a:fld>
             <a:endParaRPr lang="en-GB" dirty="0"/>
           </a:p>
@@ -1689,7 +1705,7 @@
           <a:p>
             <a:fld id="{D0E1B210-82C2-474D-A221-9E604C44A2BB}" type="datetimeFigureOut">
               <a:rPr lang="en-GB" smtClean="0"/>
-              <a:t>09/09/2025</a:t>
+              <a:t>16/09/2025</a:t>
             </a:fld>
             <a:endParaRPr lang="en-GB" dirty="0"/>
           </a:p>
@@ -1965,7 +1981,7 @@
           <a:p>
             <a:fld id="{D0E1B210-82C2-474D-A221-9E604C44A2BB}" type="datetimeFigureOut">
               <a:rPr lang="en-GB" smtClean="0"/>
-              <a:t>09/09/2025</a:t>
+              <a:t>16/09/2025</a:t>
             </a:fld>
             <a:endParaRPr lang="en-GB" dirty="0"/>
           </a:p>
@@ -2233,7 +2249,7 @@
           <a:p>
             <a:fld id="{D0E1B210-82C2-474D-A221-9E604C44A2BB}" type="datetimeFigureOut">
               <a:rPr lang="en-GB" smtClean="0"/>
-              <a:t>09/09/2025</a:t>
+              <a:t>16/09/2025</a:t>
             </a:fld>
             <a:endParaRPr lang="en-GB" dirty="0"/>
           </a:p>
@@ -2648,7 +2664,7 @@
           <a:p>
             <a:fld id="{D0E1B210-82C2-474D-A221-9E604C44A2BB}" type="datetimeFigureOut">
               <a:rPr lang="en-GB" smtClean="0"/>
-              <a:t>09/09/2025</a:t>
+              <a:t>16/09/2025</a:t>
             </a:fld>
             <a:endParaRPr lang="en-GB" dirty="0"/>
           </a:p>
@@ -2790,7 +2806,7 @@
           <a:p>
             <a:fld id="{D0E1B210-82C2-474D-A221-9E604C44A2BB}" type="datetimeFigureOut">
               <a:rPr lang="en-GB" smtClean="0"/>
-              <a:t>09/09/2025</a:t>
+              <a:t>16/09/2025</a:t>
             </a:fld>
             <a:endParaRPr lang="en-GB" dirty="0"/>
           </a:p>
@@ -2903,7 +2919,7 @@
           <a:p>
             <a:fld id="{D0E1B210-82C2-474D-A221-9E604C44A2BB}" type="datetimeFigureOut">
               <a:rPr lang="en-GB" smtClean="0"/>
-              <a:t>09/09/2025</a:t>
+              <a:t>16/09/2025</a:t>
             </a:fld>
             <a:endParaRPr lang="en-GB" dirty="0"/>
           </a:p>
@@ -3216,7 +3232,7 @@
           <a:p>
             <a:fld id="{D0E1B210-82C2-474D-A221-9E604C44A2BB}" type="datetimeFigureOut">
               <a:rPr lang="en-GB" smtClean="0"/>
-              <a:t>09/09/2025</a:t>
+              <a:t>16/09/2025</a:t>
             </a:fld>
             <a:endParaRPr lang="en-GB" dirty="0"/>
           </a:p>
@@ -3505,7 +3521,7 @@
           <a:p>
             <a:fld id="{D0E1B210-82C2-474D-A221-9E604C44A2BB}" type="datetimeFigureOut">
               <a:rPr lang="en-GB" smtClean="0"/>
-              <a:t>09/09/2025</a:t>
+              <a:t>16/09/2025</a:t>
             </a:fld>
             <a:endParaRPr lang="en-GB" dirty="0"/>
           </a:p>
@@ -3748,7 +3764,7 @@
           <a:p>
             <a:fld id="{D0E1B210-82C2-474D-A221-9E604C44A2BB}" type="datetimeFigureOut">
               <a:rPr lang="en-GB" smtClean="0"/>
-              <a:t>09/09/2025</a:t>
+              <a:t>16/09/2025</a:t>
             </a:fld>
             <a:endParaRPr lang="en-GB" dirty="0"/>
           </a:p>
@@ -31089,8 +31105,8 @@
               </a:fontRef>
             </p:style>
           </p:cxnSp>
-          <mc:AlternateContent xmlns:mc="http://schemas.openxmlformats.org/markup-compatibility/2006" xmlns:a14="http://schemas.microsoft.com/office/drawing/2010/main">
-            <mc:Choice Requires="a14">
+          <mc:AlternateContent xmlns:mc="http://schemas.openxmlformats.org/markup-compatibility/2006">
+            <mc:Choice xmlns:a14="http://schemas.microsoft.com/office/drawing/2010/main" Requires="a14">
               <p:sp>
                 <p:nvSpPr>
                   <p:cNvPr id="319" name="TextBox 318">
@@ -31139,7 +31155,7 @@
                                 <a:rPr lang="en-US" sz="1600" b="0" i="1" smtClean="0">
                                   <a:latin typeface="Cambria Math" panose="02040503050406030204" pitchFamily="18" charset="0"/>
                                 </a:rPr>
-                                <m:t>𝛽</m:t>
+                                <m:t>𝑔</m:t>
                               </m:r>
                             </m:e>
                             <m:sub>
@@ -31201,7 +31217,7 @@
                                 <a:rPr lang="en-US" sz="1600" b="0" i="1" smtClean="0">
                                   <a:latin typeface="Cambria Math" panose="02040503050406030204" pitchFamily="18" charset="0"/>
                                 </a:rPr>
-                                <m:t>𝛽</m:t>
+                                <m:t>𝑔</m:t>
                               </m:r>
                             </m:e>
                             <m:sub>
@@ -31239,13 +31255,13 @@
                 </p:txBody>
               </p:sp>
             </mc:Choice>
-            <mc:Fallback xmlns="">
+            <mc:Fallback>
               <p:sp>
                 <p:nvSpPr>
                   <p:cNvPr id="319" name="TextBox 318">
                     <a:extLst>
                       <a:ext uri="{FF2B5EF4-FFF2-40B4-BE49-F238E27FC236}">
-                        <a16:creationId xmlns:a16="http://schemas.microsoft.com/office/drawing/2014/main" id="{98529C8A-1F15-67CE-4341-CAE228C9E2CC}"/>
+                        <a16:creationId xmlns:a16="http://schemas.microsoft.com/office/drawing/2014/main" id="{6C2E3BC2-8F2A-AD86-5F16-86339B02E4A3}"/>
                       </a:ext>
                     </a:extLst>
                   </p:cNvPr>
@@ -31265,7 +31281,7 @@
                   <a:blipFill>
                     <a:blip r:embed="rId3"/>
                     <a:stretch>
-                      <a:fillRect l="-22222" r="-41667" b="-9160"/>
+                      <a:fillRect l="-16667" r="-43056" b="-9160"/>
                     </a:stretch>
                   </a:blipFill>
                 </p:spPr>
@@ -36625,8 +36641,8 @@
               </a:fontRef>
             </p:style>
           </p:cxnSp>
-          <mc:AlternateContent xmlns:mc="http://schemas.openxmlformats.org/markup-compatibility/2006" xmlns:a14="http://schemas.microsoft.com/office/drawing/2010/main">
-            <mc:Choice Requires="a14">
+          <mc:AlternateContent xmlns:mc="http://schemas.openxmlformats.org/markup-compatibility/2006">
+            <mc:Choice xmlns:a14="http://schemas.microsoft.com/office/drawing/2010/main" Requires="a14">
               <p:sp>
                 <p:nvSpPr>
                   <p:cNvPr id="542" name="TextBox 541">
@@ -36675,7 +36691,7 @@
                                 <a:rPr lang="en-US" sz="1600" b="0" i="1" smtClean="0">
                                   <a:latin typeface="Cambria Math" panose="02040503050406030204" pitchFamily="18" charset="0"/>
                                 </a:rPr>
-                                <m:t>𝛽</m:t>
+                                <m:t>𝑔</m:t>
                               </m:r>
                             </m:e>
                             <m:sub>
@@ -36737,7 +36753,7 @@
                                 <a:rPr lang="en-US" sz="1600" b="0" i="1" smtClean="0">
                                   <a:latin typeface="Cambria Math" panose="02040503050406030204" pitchFamily="18" charset="0"/>
                                 </a:rPr>
-                                <m:t>𝛽</m:t>
+                                <m:t>𝑔</m:t>
                               </m:r>
                             </m:e>
                             <m:sub>
@@ -36775,13 +36791,13 @@
                 </p:txBody>
               </p:sp>
             </mc:Choice>
-            <mc:Fallback xmlns="">
+            <mc:Fallback>
               <p:sp>
                 <p:nvSpPr>
                   <p:cNvPr id="542" name="TextBox 541">
                     <a:extLst>
                       <a:ext uri="{FF2B5EF4-FFF2-40B4-BE49-F238E27FC236}">
-                        <a16:creationId xmlns:a16="http://schemas.microsoft.com/office/drawing/2014/main" id="{98042485-94BC-6649-7CD3-881F4A660458}"/>
+                        <a16:creationId xmlns:a16="http://schemas.microsoft.com/office/drawing/2014/main" id="{B0B08709-9CEE-DF0F-232C-54EBAE208431}"/>
                       </a:ext>
                     </a:extLst>
                   </p:cNvPr>
@@ -36801,7 +36817,7 @@
                   <a:blipFill>
                     <a:blip r:embed="rId5"/>
                     <a:stretch>
-                      <a:fillRect l="-20833" r="-43056" b="-9160"/>
+                      <a:fillRect l="-16667" r="-44444" b="-9160"/>
                     </a:stretch>
                   </a:blipFill>
                 </p:spPr>
@@ -37331,7 +37347,7 @@
               <a:p>
                 <a:r>
                   <a:rPr lang="en-US" sz="1600" i="1" dirty="0"/>
-                  <a:t>no, without non-linearities</a:t>
+                  <a:t>no, with linear coefficients</a:t>
                 </a:r>
                 <a:endParaRPr lang="en-US" sz="1600" b="0" i="1" dirty="0"/>
               </a:p>
@@ -37394,7 +37410,7 @@
                         </m:oMathParaPr>
                         <m:oMath xmlns:m="http://schemas.openxmlformats.org/officeDocument/2006/math">
                           <m:r>
-                            <a:rPr lang="en-US" sz="1600" i="1">
+                            <a:rPr lang="en-US" sz="1600" i="1" smtClean="0">
                               <a:solidFill>
                                 <a:schemeClr val="tx1"/>
                               </a:solidFill>
@@ -37403,7 +37419,7 @@
                             <m:t>𝑉</m:t>
                           </m:r>
                           <m:r>
-                            <a:rPr lang="en-US" sz="1600" i="1">
+                            <a:rPr lang="en-US" sz="1600" i="1" smtClean="0">
                               <a:solidFill>
                                 <a:schemeClr val="tx1"/>
                               </a:solidFill>
@@ -37424,13 +37440,13 @@
                             </m:sSubPr>
                             <m:e>
                               <m:r>
-                                <a:rPr lang="en-US" sz="1600" i="1">
+                                <a:rPr lang="en-US" sz="1600" b="0" i="1" smtClean="0">
                                   <a:solidFill>
                                     <a:schemeClr val="tx1"/>
                                   </a:solidFill>
                                   <a:latin typeface="Cambria Math" panose="02040503050406030204" pitchFamily="18" charset="0"/>
                                 </a:rPr>
-                                <m:t>𝛽</m:t>
+                                <m:t>𝛼</m:t>
                               </m:r>
                             </m:e>
                             <m:sub>
@@ -37718,7 +37734,7 @@
                                   </a:solidFill>
                                   <a:latin typeface="Cambria Math" panose="02040503050406030204" pitchFamily="18" charset="0"/>
                                 </a:rPr>
-                                <m:t>𝛽</m:t>
+                                <m:t>𝛼</m:t>
                               </m:r>
                             </m:e>
                             <m:sub>
@@ -37817,7 +37833,7 @@
                                           </a:solidFill>
                                           <a:latin typeface="Cambria Math" panose="02040503050406030204" pitchFamily="18" charset="0"/>
                                         </a:rPr>
-                                        <m:t>𝛽</m:t>
+                                        <m:t>𝑔</m:t>
                                       </m:r>
                                     </m:e>
                                     <m:sub>
@@ -38103,7 +38119,7 @@
                         </m:oMathParaPr>
                         <m:oMath xmlns:m="http://schemas.openxmlformats.org/officeDocument/2006/math">
                           <m:r>
-                            <a:rPr lang="en-US" sz="1600" i="1">
+                            <a:rPr lang="en-US" sz="1600" i="1" smtClean="0">
                               <a:solidFill>
                                 <a:schemeClr val="tx1"/>
                               </a:solidFill>
@@ -38112,7 +38128,7 @@
                             <m:t>𝑉</m:t>
                           </m:r>
                           <m:r>
-                            <a:rPr lang="en-US" sz="1600" i="1">
+                            <a:rPr lang="en-US" sz="1600" i="1" smtClean="0">
                               <a:solidFill>
                                 <a:schemeClr val="tx1"/>
                               </a:solidFill>
@@ -38133,13 +38149,13 @@
                             </m:sSubPr>
                             <m:e>
                               <m:r>
-                                <a:rPr lang="en-US" sz="1600" i="1">
+                                <a:rPr lang="en-US" sz="1600" b="0" i="1" smtClean="0">
                                   <a:solidFill>
                                     <a:schemeClr val="tx1"/>
                                   </a:solidFill>
                                   <a:latin typeface="Cambria Math" panose="02040503050406030204" pitchFamily="18" charset="0"/>
                                 </a:rPr>
-                                <m:t>𝛽</m:t>
+                                <m:t>𝑔</m:t>
                               </m:r>
                             </m:e>
                             <m:sub>
@@ -38361,8 +38377,8 @@
               </p:sp>
             </mc:Fallback>
           </mc:AlternateContent>
-          <mc:AlternateContent xmlns:mc="http://schemas.openxmlformats.org/markup-compatibility/2006" xmlns:a14="http://schemas.microsoft.com/office/drawing/2010/main">
-            <mc:Choice Requires="a14">
+          <mc:AlternateContent xmlns:mc="http://schemas.openxmlformats.org/markup-compatibility/2006">
+            <mc:Choice xmlns:a14="http://schemas.microsoft.com/office/drawing/2010/main" Requires="a14">
               <p:sp>
                 <p:nvSpPr>
                   <p:cNvPr id="578" name="Rectangle: Rounded Corners 577">
@@ -38454,7 +38470,7 @@
                                   </a:solidFill>
                                   <a:latin typeface="Cambria Math" panose="02040503050406030204" pitchFamily="18" charset="0"/>
                                 </a:rPr>
-                                <m:t>𝛽</m:t>
+                                <m:t>𝑔</m:t>
                               </m:r>
                             </m:e>
                             <m:sub>
@@ -38580,7 +38596,7 @@
                                           </a:solidFill>
                                           <a:latin typeface="Cambria Math" panose="02040503050406030204" pitchFamily="18" charset="0"/>
                                         </a:rPr>
-                                        <m:t>𝛽</m:t>
+                                        <m:t>𝑔</m:t>
                                       </m:r>
                                     </m:e>
                                     <m:sub>
@@ -38658,13 +38674,13 @@
                 </p:txBody>
               </p:sp>
             </mc:Choice>
-            <mc:Fallback xmlns="">
+            <mc:Fallback>
               <p:sp>
                 <p:nvSpPr>
                   <p:cNvPr id="578" name="Rectangle: Rounded Corners 577">
                     <a:extLst>
                       <a:ext uri="{FF2B5EF4-FFF2-40B4-BE49-F238E27FC236}">
-                        <a16:creationId xmlns:a16="http://schemas.microsoft.com/office/drawing/2014/main" id="{B87CA8C9-8DF7-5172-6CAE-D45789DE0EFF}"/>
+                        <a16:creationId xmlns:a16="http://schemas.microsoft.com/office/drawing/2014/main" id="{9DCB6742-A9EF-45C8-CA53-66954B68B16F}"/>
                       </a:ext>
                     </a:extLst>
                   </p:cNvPr>
@@ -38760,7 +38776,7 @@
                         </m:oMathParaPr>
                         <m:oMath xmlns:m="http://schemas.openxmlformats.org/officeDocument/2006/math">
                           <m:r>
-                            <a:rPr lang="en-US" sz="1600" i="1">
+                            <a:rPr lang="en-US" sz="1600" i="1" smtClean="0">
                               <a:solidFill>
                                 <a:schemeClr val="tx1"/>
                               </a:solidFill>
@@ -38769,7 +38785,7 @@
                             <m:t>𝑉</m:t>
                           </m:r>
                           <m:r>
-                            <a:rPr lang="en-US" sz="1600" i="1">
+                            <a:rPr lang="en-US" sz="1600" i="1" smtClean="0">
                               <a:solidFill>
                                 <a:schemeClr val="tx1"/>
                               </a:solidFill>
@@ -38790,13 +38806,13 @@
                             </m:sSubPr>
                             <m:e>
                               <m:r>
-                                <a:rPr lang="en-US" sz="1600" i="1">
+                                <a:rPr lang="en-US" sz="1600" b="0" i="1" smtClean="0">
                                   <a:solidFill>
                                     <a:schemeClr val="tx1"/>
                                   </a:solidFill>
                                   <a:latin typeface="Cambria Math" panose="02040503050406030204" pitchFamily="18" charset="0"/>
                                 </a:rPr>
-                                <m:t>𝛽</m:t>
+                                <m:t>𝛼</m:t>
                               </m:r>
                             </m:e>
                             <m:sub>
@@ -39066,7 +39082,7 @@
                         </m:oMathParaPr>
                         <m:oMath xmlns:m="http://schemas.openxmlformats.org/officeDocument/2006/math">
                           <m:r>
-                            <a:rPr lang="en-US" sz="1600" i="1">
+                            <a:rPr lang="en-US" sz="1600" i="1" smtClean="0">
                               <a:solidFill>
                                 <a:schemeClr val="tx1"/>
                               </a:solidFill>
@@ -39075,7 +39091,7 @@
                             <m:t>𝑉</m:t>
                           </m:r>
                           <m:r>
-                            <a:rPr lang="en-US" sz="1600" i="1">
+                            <a:rPr lang="en-US" sz="1600" i="1" smtClean="0">
                               <a:solidFill>
                                 <a:schemeClr val="tx1"/>
                               </a:solidFill>
@@ -39096,13 +39112,13 @@
                             </m:sSubPr>
                             <m:e>
                               <m:r>
-                                <a:rPr lang="en-US" sz="1600" i="1">
+                                <a:rPr lang="en-US" sz="1600" b="0" i="1" smtClean="0">
                                   <a:solidFill>
                                     <a:schemeClr val="tx1"/>
                                   </a:solidFill>
                                   <a:latin typeface="Cambria Math" panose="02040503050406030204" pitchFamily="18" charset="0"/>
                                 </a:rPr>
-                                <m:t>𝛽</m:t>
+                                <m:t>𝑔</m:t>
                               </m:r>
                             </m:e>
                             <m:sub>
@@ -39356,8 +39372,8 @@
             </p:nvSpPr>
             <p:spPr>
               <a:xfrm>
-                <a:off x="4940923" y="3930725"/>
-                <a:ext cx="2230168" cy="246221"/>
+                <a:off x="4584427" y="3930725"/>
+                <a:ext cx="2861025" cy="246221"/>
               </a:xfrm>
               <a:prstGeom prst="rect">
                 <a:avLst/>
@@ -39372,7 +39388,7 @@
               <a:p>
                 <a:r>
                   <a:rPr lang="en-US" sz="1600" i="1" dirty="0"/>
-                  <a:t>no, with non-linearities</a:t>
+                  <a:t>no, with non-linear coefficients</a:t>
                 </a:r>
                 <a:endParaRPr lang="en-US" sz="1600" b="0" i="1" dirty="0"/>
               </a:p>
@@ -39663,10 +39679,10 @@
       </p:grpSpPr>
       <p:pic>
         <p:nvPicPr>
-          <p:cNvPr id="4" name="Picture 3">
+          <p:cNvPr id="2" name="Picture 1">
             <a:extLst>
               <a:ext uri="{FF2B5EF4-FFF2-40B4-BE49-F238E27FC236}">
-                <a16:creationId xmlns:a16="http://schemas.microsoft.com/office/drawing/2014/main" id="{588D65C0-1EC0-F094-129A-546FEF5CD5DD}"/>
+                <a16:creationId xmlns:a16="http://schemas.microsoft.com/office/drawing/2014/main" id="{F06DA8B2-3108-36D9-135B-D7806E1B2415}"/>
               </a:ext>
             </a:extLst>
           </p:cNvPr>
@@ -39683,8 +39699,8 @@
         </p:blipFill>
         <p:spPr>
           <a:xfrm>
-            <a:off x="1383981" y="402619"/>
-            <a:ext cx="4413887" cy="2261812"/>
+            <a:off x="1554094" y="3334386"/>
+            <a:ext cx="8900931" cy="2895851"/>
           </a:xfrm>
           <a:prstGeom prst="rect">
             <a:avLst/>
@@ -39693,10 +39709,10 @@
       </p:pic>
       <p:pic>
         <p:nvPicPr>
-          <p:cNvPr id="5" name="Picture 4">
+          <p:cNvPr id="3" name="Picture 2">
             <a:extLst>
               <a:ext uri="{FF2B5EF4-FFF2-40B4-BE49-F238E27FC236}">
-                <a16:creationId xmlns:a16="http://schemas.microsoft.com/office/drawing/2014/main" id="{DFF80C0C-2649-4344-FDC2-C15C6D6AB216}"/>
+                <a16:creationId xmlns:a16="http://schemas.microsoft.com/office/drawing/2014/main" id="{B61E8EA4-C5B8-DE6D-FDD2-92AF9D0AD33F}"/>
               </a:ext>
             </a:extLst>
           </p:cNvPr>
@@ -39713,8 +39729,8 @@
         </p:blipFill>
         <p:spPr>
           <a:xfrm>
-            <a:off x="6400229" y="396522"/>
-            <a:ext cx="4407790" cy="2267909"/>
+            <a:off x="1050606" y="545494"/>
+            <a:ext cx="4413887" cy="2261812"/>
           </a:xfrm>
           <a:prstGeom prst="rect">
             <a:avLst/>
@@ -39723,10 +39739,10 @@
       </p:pic>
       <p:pic>
         <p:nvPicPr>
-          <p:cNvPr id="6" name="Picture 5">
+          <p:cNvPr id="7" name="Picture 6">
             <a:extLst>
               <a:ext uri="{FF2B5EF4-FFF2-40B4-BE49-F238E27FC236}">
-                <a16:creationId xmlns:a16="http://schemas.microsoft.com/office/drawing/2014/main" id="{88DFB7CB-B0F5-5308-925E-B181F2EC6914}"/>
+                <a16:creationId xmlns:a16="http://schemas.microsoft.com/office/drawing/2014/main" id="{BABD5415-7877-5D3C-48FE-35D84F7446AF}"/>
               </a:ext>
             </a:extLst>
           </p:cNvPr>
@@ -39743,8 +39759,8 @@
         </p:blipFill>
         <p:spPr>
           <a:xfrm>
-            <a:off x="1489486" y="3257627"/>
-            <a:ext cx="8900931" cy="2895851"/>
+            <a:off x="6047235" y="802937"/>
+            <a:ext cx="4407790" cy="2267909"/>
           </a:xfrm>
           <a:prstGeom prst="rect">
             <a:avLst/>
